--- a/JumpDead.pptx
+++ b/JumpDead.pptx
@@ -109,6 +109,11 @@
       </a:defRPr>
     </a:lvl9pPr>
   </p:defaultTextStyle>
+  <p:extLst>
+    <p:ext uri="{EFAFB233-063F-42B5-8137-9DF3F51BA10A}">
+      <p15:sldGuideLst xmlns:p15="http://schemas.microsoft.com/office/powerpoint/2012/main"/>
+    </p:ext>
+  </p:extLst>
 </p:presentation>
 </file>
 
@@ -4353,7 +4358,7 @@
         </p:blipFill>
         <p:spPr>
           <a:xfrm>
-            <a:off x="3522468" y="10"/>
+            <a:off x="3522466" y="0"/>
             <a:ext cx="8669532" cy="6857990"/>
           </a:xfrm>
           <a:prstGeom prst="rect">
@@ -4883,7 +4888,7 @@
             <a:pPr algn="ctr"/>
             <a:r>
               <a:rPr lang="de-DE" dirty="0"/>
-              <a:t>Anwendung</a:t>
+              <a:t>Test</a:t>
             </a:r>
           </a:p>
         </p:txBody>
@@ -5016,6 +5021,50 @@
           </a:fillRef>
           <a:effectRef idx="0">
             <a:schemeClr val="dk1"/>
+          </a:effectRef>
+          <a:fontRef idx="minor">
+            <a:schemeClr val="tx1"/>
+          </a:fontRef>
+        </p:style>
+      </p:cxnSp>
+      <p:cxnSp>
+        <p:nvCxnSpPr>
+          <p:cNvPr id="4" name="Verbinder: gewinkelt 3">
+            <a:extLst>
+              <a:ext uri="{FF2B5EF4-FFF2-40B4-BE49-F238E27FC236}">
+                <a16:creationId xmlns:a16="http://schemas.microsoft.com/office/drawing/2014/main" id="{B01A5468-7AF8-AF5E-5977-F58F399E4B29}"/>
+              </a:ext>
+            </a:extLst>
+          </p:cNvPr>
+          <p:cNvCxnSpPr>
+            <a:endCxn id="10" idx="1"/>
+          </p:cNvCxnSpPr>
+          <p:nvPr/>
+        </p:nvCxnSpPr>
+        <p:spPr>
+          <a:xfrm rot="16200000" flipV="1">
+            <a:off x="5233817" y="4097295"/>
+            <a:ext cx="1306703" cy="630767"/>
+          </a:xfrm>
+          <a:prstGeom prst="bentConnector4">
+            <a:avLst>
+              <a:gd name="adj1" fmla="val 28482"/>
+              <a:gd name="adj2" fmla="val 136242"/>
+            </a:avLst>
+          </a:prstGeom>
+          <a:ln>
+            <a:tailEnd type="triangle"/>
+          </a:ln>
+        </p:spPr>
+        <p:style>
+          <a:lnRef idx="3">
+            <a:schemeClr val="accent1"/>
+          </a:lnRef>
+          <a:fillRef idx="0">
+            <a:schemeClr val="accent1"/>
+          </a:fillRef>
+          <a:effectRef idx="2">
+            <a:schemeClr val="accent1"/>
           </a:effectRef>
           <a:fontRef idx="minor">
             <a:schemeClr val="tx1"/>
